--- a/pover.pptx
+++ b/pover.pptx
@@ -8,12 +8,11 @@
     <p:sldId id="256" r:id="rId2"/>
     <p:sldId id="273" r:id="rId3"/>
     <p:sldId id="258" r:id="rId4"/>
-    <p:sldId id="259" r:id="rId5"/>
-    <p:sldId id="260" r:id="rId6"/>
-    <p:sldId id="261" r:id="rId7"/>
-    <p:sldId id="262" r:id="rId8"/>
-    <p:sldId id="263" r:id="rId9"/>
-    <p:sldId id="266" r:id="rId10"/>
+    <p:sldId id="261" r:id="rId5"/>
+    <p:sldId id="274" r:id="rId6"/>
+    <p:sldId id="262" r:id="rId7"/>
+    <p:sldId id="263" r:id="rId8"/>
+    <p:sldId id="266" r:id="rId9"/>
   </p:sldIdLst>
   <p:sldSz cx="12192000" cy="6858000"/>
   <p:notesSz cx="6858000" cy="9144000"/>
@@ -120,9 +119,8 @@
             <p14:sldId id="256"/>
             <p14:sldId id="273"/>
             <p14:sldId id="258"/>
-            <p14:sldId id="259"/>
-            <p14:sldId id="260"/>
             <p14:sldId id="261"/>
+            <p14:sldId id="274"/>
             <p14:sldId id="262"/>
             <p14:sldId id="263"/>
             <p14:sldId id="266"/>
@@ -862,7 +860,7 @@
           <a:p>
             <a:fld id="{D746FDBF-32A0-4FD7-948A-E7650594BACB}" type="datetimeFigureOut">
               <a:rPr lang="en-US" smtClean="0"/>
-              <a:t>5/10/2025</a:t>
+              <a:t>5/12/2025</a:t>
             </a:fld>
             <a:endParaRPr lang="en-US"/>
           </a:p>
@@ -1113,7 +1111,7 @@
           <a:p>
             <a:fld id="{D746FDBF-32A0-4FD7-948A-E7650594BACB}" type="datetimeFigureOut">
               <a:rPr lang="en-US" smtClean="0"/>
-              <a:t>5/10/2025</a:t>
+              <a:t>5/12/2025</a:t>
             </a:fld>
             <a:endParaRPr lang="en-US"/>
           </a:p>
@@ -1427,7 +1425,7 @@
           <a:p>
             <a:fld id="{D746FDBF-32A0-4FD7-948A-E7650594BACB}" type="datetimeFigureOut">
               <a:rPr lang="en-US" smtClean="0"/>
-              <a:t>5/10/2025</a:t>
+              <a:t>5/12/2025</a:t>
             </a:fld>
             <a:endParaRPr lang="en-US"/>
           </a:p>
@@ -1768,7 +1766,7 @@
           <a:p>
             <a:fld id="{D746FDBF-32A0-4FD7-948A-E7650594BACB}" type="datetimeFigureOut">
               <a:rPr lang="en-US" smtClean="0"/>
-              <a:t>5/10/2025</a:t>
+              <a:t>5/12/2025</a:t>
             </a:fld>
             <a:endParaRPr lang="en-US"/>
           </a:p>
@@ -2082,7 +2080,7 @@
           <a:p>
             <a:fld id="{D746FDBF-32A0-4FD7-948A-E7650594BACB}" type="datetimeFigureOut">
               <a:rPr lang="en-US" smtClean="0"/>
-              <a:t>5/10/2025</a:t>
+              <a:t>5/12/2025</a:t>
             </a:fld>
             <a:endParaRPr lang="en-US"/>
           </a:p>
@@ -2475,7 +2473,7 @@
           <a:p>
             <a:fld id="{D746FDBF-32A0-4FD7-948A-E7650594BACB}" type="datetimeFigureOut">
               <a:rPr lang="en-US" smtClean="0"/>
-              <a:t>5/10/2025</a:t>
+              <a:t>5/12/2025</a:t>
             </a:fld>
             <a:endParaRPr lang="en-US"/>
           </a:p>
@@ -2645,7 +2643,7 @@
           <a:p>
             <a:fld id="{D746FDBF-32A0-4FD7-948A-E7650594BACB}" type="datetimeFigureOut">
               <a:rPr lang="en-US" smtClean="0"/>
-              <a:t>5/10/2025</a:t>
+              <a:t>5/12/2025</a:t>
             </a:fld>
             <a:endParaRPr lang="en-US"/>
           </a:p>
@@ -2825,7 +2823,7 @@
           <a:p>
             <a:fld id="{D746FDBF-32A0-4FD7-948A-E7650594BACB}" type="datetimeFigureOut">
               <a:rPr lang="en-US" smtClean="0"/>
-              <a:t>5/10/2025</a:t>
+              <a:t>5/12/2025</a:t>
             </a:fld>
             <a:endParaRPr lang="en-US"/>
           </a:p>
@@ -3001,7 +2999,7 @@
           <a:p>
             <a:fld id="{D746FDBF-32A0-4FD7-948A-E7650594BACB}" type="datetimeFigureOut">
               <a:rPr lang="en-US" smtClean="0"/>
-              <a:t>5/10/2025</a:t>
+              <a:t>5/12/2025</a:t>
             </a:fld>
             <a:endParaRPr lang="en-US"/>
           </a:p>
@@ -3248,7 +3246,7 @@
           <a:p>
             <a:fld id="{D746FDBF-32A0-4FD7-948A-E7650594BACB}" type="datetimeFigureOut">
               <a:rPr lang="en-US" smtClean="0"/>
-              <a:t>5/10/2025</a:t>
+              <a:t>5/12/2025</a:t>
             </a:fld>
             <a:endParaRPr lang="en-US"/>
           </a:p>
@@ -3480,7 +3478,7 @@
           <a:p>
             <a:fld id="{D746FDBF-32A0-4FD7-948A-E7650594BACB}" type="datetimeFigureOut">
               <a:rPr lang="en-US" smtClean="0"/>
-              <a:t>5/10/2025</a:t>
+              <a:t>5/12/2025</a:t>
             </a:fld>
             <a:endParaRPr lang="en-US"/>
           </a:p>
@@ -3854,7 +3852,7 @@
           <a:p>
             <a:fld id="{D746FDBF-32A0-4FD7-948A-E7650594BACB}" type="datetimeFigureOut">
               <a:rPr lang="en-US" smtClean="0"/>
-              <a:t>5/10/2025</a:t>
+              <a:t>5/12/2025</a:t>
             </a:fld>
             <a:endParaRPr lang="en-US"/>
           </a:p>
@@ -3977,7 +3975,7 @@
           <a:p>
             <a:fld id="{D746FDBF-32A0-4FD7-948A-E7650594BACB}" type="datetimeFigureOut">
               <a:rPr lang="en-US" smtClean="0"/>
-              <a:t>5/10/2025</a:t>
+              <a:t>5/12/2025</a:t>
             </a:fld>
             <a:endParaRPr lang="en-US"/>
           </a:p>
@@ -4072,7 +4070,7 @@
           <a:p>
             <a:fld id="{D746FDBF-32A0-4FD7-948A-E7650594BACB}" type="datetimeFigureOut">
               <a:rPr lang="en-US" smtClean="0"/>
-              <a:t>5/10/2025</a:t>
+              <a:t>5/12/2025</a:t>
             </a:fld>
             <a:endParaRPr lang="en-US"/>
           </a:p>
@@ -4327,7 +4325,7 @@
           <a:p>
             <a:fld id="{D746FDBF-32A0-4FD7-948A-E7650594BACB}" type="datetimeFigureOut">
               <a:rPr lang="en-US" smtClean="0"/>
-              <a:t>5/10/2025</a:t>
+              <a:t>5/12/2025</a:t>
             </a:fld>
             <a:endParaRPr lang="en-US"/>
           </a:p>
@@ -4590,7 +4588,7 @@
           <a:p>
             <a:fld id="{D746FDBF-32A0-4FD7-948A-E7650594BACB}" type="datetimeFigureOut">
               <a:rPr lang="en-US" smtClean="0"/>
-              <a:t>5/10/2025</a:t>
+              <a:t>5/12/2025</a:t>
             </a:fld>
             <a:endParaRPr lang="en-US"/>
           </a:p>
@@ -5333,7 +5331,7 @@
           <a:p>
             <a:fld id="{D746FDBF-32A0-4FD7-948A-E7650594BACB}" type="datetimeFigureOut">
               <a:rPr lang="en-US" smtClean="0"/>
-              <a:t>5/10/2025</a:t>
+              <a:t>5/12/2025</a:t>
             </a:fld>
             <a:endParaRPr lang="en-US"/>
           </a:p>
@@ -6225,47 +6223,6 @@
           </a:p>
         </p:txBody>
       </p:sp>
-      <p:pic>
-        <p:nvPicPr>
-          <p:cNvPr id="2050" name="Picture 2" descr="پرونده:Sampad.svg"/>
-          <p:cNvPicPr>
-            <a:picLocks noChangeAspect="1" noChangeArrowheads="1"/>
-          </p:cNvPicPr>
-          <p:nvPr/>
-        </p:nvPicPr>
-        <p:blipFill>
-          <a:blip r:embed="rId2" cstate="print">
-            <a:extLst>
-              <a:ext uri="{28A0092B-C50C-407E-A947-70E740481C1C}">
-                <a14:useLocalDpi xmlns:a14="http://schemas.microsoft.com/office/drawing/2010/main" val="0"/>
-              </a:ext>
-            </a:extLst>
-          </a:blip>
-          <a:srcRect/>
-          <a:stretch>
-            <a:fillRect/>
-          </a:stretch>
-        </p:blipFill>
-        <p:spPr bwMode="auto">
-          <a:xfrm>
-            <a:off x="1013236" y="609600"/>
-            <a:ext cx="1274635" cy="1277291"/>
-          </a:xfrm>
-          <a:prstGeom prst="rect">
-            <a:avLst/>
-          </a:prstGeom>
-          <a:noFill/>
-          <a:extLst>
-            <a:ext uri="{909E8E84-426E-40DD-AFC4-6F175D3DCCD1}">
-              <a14:hiddenFill xmlns:a14="http://schemas.microsoft.com/office/drawing/2010/main">
-                <a:solidFill>
-                  <a:srgbClr val="FFFFFF"/>
-                </a:solidFill>
-              </a14:hiddenFill>
-            </a:ext>
-          </a:extLst>
-        </p:spPr>
-      </p:pic>
     </p:spTree>
     <p:extLst>
       <p:ext uri="{BB962C8B-B14F-4D97-AF65-F5344CB8AC3E}">
@@ -6279,83 +6236,7 @@
   <p:timing>
     <p:tnLst>
       <p:par>
-        <p:cTn id="1" dur="indefinite" restart="never" nodeType="tmRoot">
-          <p:childTnLst>
-            <p:seq concurrent="1" nextAc="seek">
-              <p:cTn id="2" dur="indefinite" nodeType="mainSeq">
-                <p:childTnLst>
-                  <p:par>
-                    <p:cTn id="3" fill="hold">
-                      <p:stCondLst>
-                        <p:cond delay="indefinite"/>
-                      </p:stCondLst>
-                      <p:childTnLst>
-                        <p:par>
-                          <p:cTn id="4" fill="hold">
-                            <p:stCondLst>
-                              <p:cond delay="0"/>
-                            </p:stCondLst>
-                            <p:childTnLst>
-                              <p:par>
-                                <p:cTn id="5" presetID="21" presetClass="entr" presetSubtype="1" fill="hold" nodeType="clickEffect">
-                                  <p:stCondLst>
-                                    <p:cond delay="0"/>
-                                  </p:stCondLst>
-                                  <p:childTnLst>
-                                    <p:set>
-                                      <p:cBhvr>
-                                        <p:cTn id="6" dur="1" fill="hold">
-                                          <p:stCondLst>
-                                            <p:cond delay="0"/>
-                                          </p:stCondLst>
-                                        </p:cTn>
-                                        <p:tgtEl>
-                                          <p:spTgt spid="2050"/>
-                                        </p:tgtEl>
-                                        <p:attrNameLst>
-                                          <p:attrName>style.visibility</p:attrName>
-                                        </p:attrNameLst>
-                                      </p:cBhvr>
-                                      <p:to>
-                                        <p:strVal val="visible"/>
-                                      </p:to>
-                                    </p:set>
-                                    <p:animEffect transition="in" filter="wheel(1)">
-                                      <p:cBhvr>
-                                        <p:cTn id="7" dur="2000"/>
-                                        <p:tgtEl>
-                                          <p:spTgt spid="2050"/>
-                                        </p:tgtEl>
-                                      </p:cBhvr>
-                                    </p:animEffect>
-                                  </p:childTnLst>
-                                </p:cTn>
-                              </p:par>
-                            </p:childTnLst>
-                          </p:cTn>
-                        </p:par>
-                      </p:childTnLst>
-                    </p:cTn>
-                  </p:par>
-                </p:childTnLst>
-              </p:cTn>
-              <p:prevCondLst>
-                <p:cond evt="onPrev" delay="0">
-                  <p:tgtEl>
-                    <p:sldTgt/>
-                  </p:tgtEl>
-                </p:cond>
-              </p:prevCondLst>
-              <p:nextCondLst>
-                <p:cond evt="onNext" delay="0">
-                  <p:tgtEl>
-                    <p:sldTgt/>
-                  </p:tgtEl>
-                </p:cond>
-              </p:nextCondLst>
-            </p:seq>
-          </p:childTnLst>
-        </p:cTn>
+        <p:cTn id="1" dur="indefinite" restart="never" nodeType="tmRoot"/>
       </p:par>
     </p:tnLst>
   </p:timing>
@@ -6534,47 +6415,6 @@
           </a:p>
         </p:txBody>
       </p:sp>
-      <p:pic>
-        <p:nvPicPr>
-          <p:cNvPr id="2050" name="Picture 2" descr="پرونده:Sampad.svg"/>
-          <p:cNvPicPr>
-            <a:picLocks noChangeAspect="1" noChangeArrowheads="1"/>
-          </p:cNvPicPr>
-          <p:nvPr/>
-        </p:nvPicPr>
-        <p:blipFill>
-          <a:blip r:embed="rId2" cstate="print">
-            <a:extLst>
-              <a:ext uri="{28A0092B-C50C-407E-A947-70E740481C1C}">
-                <a14:useLocalDpi xmlns:a14="http://schemas.microsoft.com/office/drawing/2010/main" val="0"/>
-              </a:ext>
-            </a:extLst>
-          </a:blip>
-          <a:srcRect/>
-          <a:stretch>
-            <a:fillRect/>
-          </a:stretch>
-        </p:blipFill>
-        <p:spPr bwMode="auto">
-          <a:xfrm>
-            <a:off x="1013236" y="609600"/>
-            <a:ext cx="1274635" cy="1277291"/>
-          </a:xfrm>
-          <a:prstGeom prst="rect">
-            <a:avLst/>
-          </a:prstGeom>
-          <a:noFill/>
-          <a:extLst>
-            <a:ext uri="{909E8E84-426E-40DD-AFC4-6F175D3DCCD1}">
-              <a14:hiddenFill xmlns:a14="http://schemas.microsoft.com/office/drawing/2010/main">
-                <a:solidFill>
-                  <a:srgbClr val="FFFFFF"/>
-                </a:solidFill>
-              </a14:hiddenFill>
-            </a:ext>
-          </a:extLst>
-        </p:spPr>
-      </p:pic>
     </p:spTree>
     <p:extLst>
       <p:ext uri="{BB962C8B-B14F-4D97-AF65-F5344CB8AC3E}">
@@ -6588,83 +6428,7 @@
   <p:timing>
     <p:tnLst>
       <p:par>
-        <p:cTn id="1" dur="indefinite" restart="never" nodeType="tmRoot">
-          <p:childTnLst>
-            <p:seq concurrent="1" nextAc="seek">
-              <p:cTn id="2" dur="indefinite" nodeType="mainSeq">
-                <p:childTnLst>
-                  <p:par>
-                    <p:cTn id="3" fill="hold">
-                      <p:stCondLst>
-                        <p:cond delay="indefinite"/>
-                      </p:stCondLst>
-                      <p:childTnLst>
-                        <p:par>
-                          <p:cTn id="4" fill="hold">
-                            <p:stCondLst>
-                              <p:cond delay="0"/>
-                            </p:stCondLst>
-                            <p:childTnLst>
-                              <p:par>
-                                <p:cTn id="5" presetID="21" presetClass="entr" presetSubtype="1" fill="hold" nodeType="clickEffect">
-                                  <p:stCondLst>
-                                    <p:cond delay="0"/>
-                                  </p:stCondLst>
-                                  <p:childTnLst>
-                                    <p:set>
-                                      <p:cBhvr>
-                                        <p:cTn id="6" dur="1" fill="hold">
-                                          <p:stCondLst>
-                                            <p:cond delay="0"/>
-                                          </p:stCondLst>
-                                        </p:cTn>
-                                        <p:tgtEl>
-                                          <p:spTgt spid="2050"/>
-                                        </p:tgtEl>
-                                        <p:attrNameLst>
-                                          <p:attrName>style.visibility</p:attrName>
-                                        </p:attrNameLst>
-                                      </p:cBhvr>
-                                      <p:to>
-                                        <p:strVal val="visible"/>
-                                      </p:to>
-                                    </p:set>
-                                    <p:animEffect transition="in" filter="wheel(1)">
-                                      <p:cBhvr>
-                                        <p:cTn id="7" dur="2000"/>
-                                        <p:tgtEl>
-                                          <p:spTgt spid="2050"/>
-                                        </p:tgtEl>
-                                      </p:cBhvr>
-                                    </p:animEffect>
-                                  </p:childTnLst>
-                                </p:cTn>
-                              </p:par>
-                            </p:childTnLst>
-                          </p:cTn>
-                        </p:par>
-                      </p:childTnLst>
-                    </p:cTn>
-                  </p:par>
-                </p:childTnLst>
-              </p:cTn>
-              <p:prevCondLst>
-                <p:cond evt="onPrev" delay="0">
-                  <p:tgtEl>
-                    <p:sldTgt/>
-                  </p:tgtEl>
-                </p:cond>
-              </p:prevCondLst>
-              <p:nextCondLst>
-                <p:cond evt="onNext" delay="0">
-                  <p:tgtEl>
-                    <p:sldTgt/>
-                  </p:tgtEl>
-                </p:cond>
-              </p:nextCondLst>
-            </p:seq>
-          </p:childTnLst>
-        </p:cTn>
+        <p:cTn id="1" dur="indefinite" restart="never" nodeType="tmRoot"/>
       </p:par>
     </p:tnLst>
   </p:timing>
@@ -6700,223 +6464,62 @@
         </p:nvSpPr>
         <p:spPr>
           <a:xfrm>
-            <a:off x="574698" y="964163"/>
+            <a:off x="388084" y="261291"/>
             <a:ext cx="8596668" cy="1320800"/>
           </a:xfrm>
         </p:spPr>
         <p:txBody>
-          <a:bodyPr>
-            <a:normAutofit/>
-          </a:bodyPr>
-          <a:lstStyle/>
-          <a:p>
-            <a:pPr algn="r" rtl="1"/>
-            <a:r>
-              <a:rPr lang="fa-IR" sz="4400" dirty="0" smtClean="0">
+          <a:bodyPr/>
+          <a:lstStyle/>
+          <a:p>
+            <a:pPr algn="ctr" rtl="1"/>
+            <a:r>
+              <a:rPr lang="fa-IR" dirty="0" smtClean="0">
                 <a:latin typeface="Arabic Typesetting" panose="03020402040406030203" pitchFamily="66" charset="-78"/>
                 <a:cs typeface="Arabic Typesetting" panose="03020402040406030203" pitchFamily="66" charset="-78"/>
               </a:rPr>
-              <a:t>چرا این ایده باحال </a:t>
-            </a:r>
-            <a:r>
-              <a:rPr lang="fa-IR" sz="4400" dirty="0">
-                <a:latin typeface="Arabic Typesetting" panose="03020402040406030203" pitchFamily="66" charset="-78"/>
-                <a:cs typeface="Arabic Typesetting" panose="03020402040406030203" pitchFamily="66" charset="-78"/>
-              </a:rPr>
-              <a:t>یا </a:t>
-            </a:r>
-            <a:r>
-              <a:rPr lang="fa-IR" sz="4400" dirty="0" smtClean="0">
-                <a:latin typeface="Arabic Typesetting" panose="03020402040406030203" pitchFamily="66" charset="-78"/>
-                <a:cs typeface="Arabic Typesetting" panose="03020402040406030203" pitchFamily="66" charset="-78"/>
-              </a:rPr>
-              <a:t>خاص است؟</a:t>
-            </a:r>
-            <a:endParaRPr lang="en-US" sz="4400" dirty="0">
+              <a:t>برنامه تاریخ ایران</a:t>
+            </a:r>
+            <a:endParaRPr lang="en-US" dirty="0">
               <a:latin typeface="Arabic Typesetting" panose="03020402040406030203" pitchFamily="66" charset="-78"/>
               <a:cs typeface="Arabic Typesetting" panose="03020402040406030203" pitchFamily="66" charset="-78"/>
             </a:endParaRPr>
           </a:p>
         </p:txBody>
       </p:sp>
-      <p:sp>
-        <p:nvSpPr>
-          <p:cNvPr id="3" name="Content Placeholder 2"/>
-          <p:cNvSpPr>
-            <a:spLocks noGrp="1"/>
-          </p:cNvSpPr>
-          <p:nvPr>
-            <p:ph idx="1"/>
-          </p:nvPr>
-        </p:nvSpPr>
-        <p:spPr/>
-        <p:txBody>
-          <a:bodyPr>
-            <a:normAutofit/>
-          </a:bodyPr>
-          <a:lstStyle/>
-          <a:p>
-            <a:pPr algn="just" rtl="1">
-              <a:lnSpc>
-                <a:spcPct val="150000"/>
-              </a:lnSpc>
-            </a:pPr>
-            <a:r>
-              <a:rPr lang="fa-IR" sz="2800" dirty="0">
-                <a:latin typeface="Arabic Typesetting" panose="03020402040406030203" pitchFamily="66" charset="-78"/>
-                <a:cs typeface="Arabic Typesetting" panose="03020402040406030203" pitchFamily="66" charset="-78"/>
-              </a:rPr>
-              <a:t>رابط کاربری جذاب و </a:t>
-            </a:r>
-            <a:r>
-              <a:rPr lang="fa-IR" sz="2800" dirty="0" smtClean="0">
-                <a:latin typeface="Arabic Typesetting" panose="03020402040406030203" pitchFamily="66" charset="-78"/>
-                <a:cs typeface="Arabic Typesetting" panose="03020402040406030203" pitchFamily="66" charset="-78"/>
-              </a:rPr>
-              <a:t>تعاملی</a:t>
-            </a:r>
-            <a:endParaRPr lang="fa-IR" sz="800" dirty="0" smtClean="0">
-              <a:latin typeface="Arabic Typesetting" panose="03020402040406030203" pitchFamily="66" charset="-78"/>
-              <a:cs typeface="Arabic Typesetting" panose="03020402040406030203" pitchFamily="66" charset="-78"/>
-            </a:endParaRPr>
-          </a:p>
-          <a:p>
-            <a:pPr marL="0" indent="0" algn="just" rtl="1">
-              <a:lnSpc>
-                <a:spcPct val="150000"/>
-              </a:lnSpc>
-              <a:buNone/>
-            </a:pPr>
-            <a:endParaRPr lang="fa-IR" sz="800" dirty="0">
-              <a:latin typeface="Arabic Typesetting" panose="03020402040406030203" pitchFamily="66" charset="-78"/>
-              <a:cs typeface="Arabic Typesetting" panose="03020402040406030203" pitchFamily="66" charset="-78"/>
-            </a:endParaRPr>
-          </a:p>
-          <a:p>
-            <a:pPr algn="just" rtl="1"/>
-            <a:r>
-              <a:rPr lang="fa-IR" sz="2800" dirty="0" smtClean="0">
-                <a:latin typeface="Arabic Typesetting" panose="03020402040406030203" pitchFamily="66" charset="-78"/>
-                <a:cs typeface="Arabic Typesetting" panose="03020402040406030203" pitchFamily="66" charset="-78"/>
-              </a:rPr>
-              <a:t>دسترسی </a:t>
-            </a:r>
-            <a:r>
-              <a:rPr lang="fa-IR" sz="2800" dirty="0">
-                <a:latin typeface="Arabic Typesetting" panose="03020402040406030203" pitchFamily="66" charset="-78"/>
-                <a:cs typeface="Arabic Typesetting" panose="03020402040406030203" pitchFamily="66" charset="-78"/>
-              </a:rPr>
-              <a:t>آسان به </a:t>
-            </a:r>
-            <a:r>
-              <a:rPr lang="fa-IR" sz="2800" dirty="0" smtClean="0">
-                <a:latin typeface="Arabic Typesetting" panose="03020402040406030203" pitchFamily="66" charset="-78"/>
-                <a:cs typeface="Arabic Typesetting" panose="03020402040406030203" pitchFamily="66" charset="-78"/>
-              </a:rPr>
-              <a:t>اطلاعات</a:t>
-            </a:r>
-          </a:p>
-          <a:p>
-            <a:pPr marL="0" indent="0" algn="just" rtl="1">
-              <a:buNone/>
-            </a:pPr>
-            <a:endParaRPr lang="fa-IR" sz="800" dirty="0">
-              <a:latin typeface="Arabic Typesetting" panose="03020402040406030203" pitchFamily="66" charset="-78"/>
-              <a:cs typeface="Arabic Typesetting" panose="03020402040406030203" pitchFamily="66" charset="-78"/>
-            </a:endParaRPr>
-          </a:p>
-          <a:p>
-            <a:pPr algn="just" rtl="1"/>
-            <a:r>
-              <a:rPr lang="fa-IR" sz="2800" dirty="0" smtClean="0">
-                <a:latin typeface="Arabic Typesetting" panose="03020402040406030203" pitchFamily="66" charset="-78"/>
-                <a:cs typeface="Arabic Typesetting" panose="03020402040406030203" pitchFamily="66" charset="-78"/>
-              </a:rPr>
-              <a:t>ارائه </a:t>
-            </a:r>
-            <a:r>
-              <a:rPr lang="fa-IR" sz="2800" dirty="0">
-                <a:latin typeface="Arabic Typesetting" panose="03020402040406030203" pitchFamily="66" charset="-78"/>
-                <a:cs typeface="Arabic Typesetting" panose="03020402040406030203" pitchFamily="66" charset="-78"/>
-              </a:rPr>
-              <a:t>تاریخ به صورت بصری و </a:t>
-            </a:r>
-            <a:r>
-              <a:rPr lang="fa-IR" sz="2800" dirty="0" smtClean="0">
-                <a:latin typeface="Arabic Typesetting" panose="03020402040406030203" pitchFamily="66" charset="-78"/>
-                <a:cs typeface="Arabic Typesetting" panose="03020402040406030203" pitchFamily="66" charset="-78"/>
-              </a:rPr>
-              <a:t>ملموس</a:t>
-            </a:r>
-          </a:p>
-          <a:p>
-            <a:pPr algn="just" rtl="1"/>
-            <a:endParaRPr lang="fa-IR" sz="800" dirty="0">
-              <a:latin typeface="Arabic Typesetting" panose="03020402040406030203" pitchFamily="66" charset="-78"/>
-              <a:cs typeface="Arabic Typesetting" panose="03020402040406030203" pitchFamily="66" charset="-78"/>
-            </a:endParaRPr>
-          </a:p>
-          <a:p>
-            <a:pPr algn="just" rtl="1"/>
-            <a:r>
-              <a:rPr lang="fa-IR" sz="2800" dirty="0" smtClean="0">
-                <a:latin typeface="Arabic Typesetting" panose="03020402040406030203" pitchFamily="66" charset="-78"/>
-                <a:cs typeface="Arabic Typesetting" panose="03020402040406030203" pitchFamily="66" charset="-78"/>
-              </a:rPr>
-              <a:t> رایگان بودن </a:t>
-            </a:r>
-            <a:endParaRPr lang="en-US" sz="2800" dirty="0">
-              <a:latin typeface="Arabic Typesetting" panose="03020402040406030203" pitchFamily="66" charset="-78"/>
-              <a:cs typeface="Arabic Typesetting" panose="03020402040406030203" pitchFamily="66" charset="-78"/>
-            </a:endParaRPr>
-          </a:p>
-        </p:txBody>
-      </p:sp>
       <p:pic>
         <p:nvPicPr>
-          <p:cNvPr id="2050" name="Picture 2" descr="پرونده:Sampad.svg"/>
+          <p:cNvPr id="7" name="Content Placeholder 3"/>
           <p:cNvPicPr>
-            <a:picLocks noChangeAspect="1" noChangeArrowheads="1"/>
+            <a:picLocks noGrp="1" noChangeAspect="1"/>
           </p:cNvPicPr>
-          <p:nvPr/>
+          <p:nvPr>
+            <p:ph idx="1"/>
+          </p:nvPr>
         </p:nvPicPr>
         <p:blipFill>
-          <a:blip r:embed="rId2" cstate="print">
+          <a:blip r:embed="rId2">
             <a:extLst>
               <a:ext uri="{28A0092B-C50C-407E-A947-70E740481C1C}">
                 <a14:useLocalDpi xmlns:a14="http://schemas.microsoft.com/office/drawing/2010/main" val="0"/>
               </a:ext>
             </a:extLst>
           </a:blip>
-          <a:srcRect/>
           <a:stretch>
             <a:fillRect/>
           </a:stretch>
         </p:blipFill>
-        <p:spPr bwMode="auto">
+        <p:spPr>
           <a:xfrm>
-            <a:off x="1013236" y="609600"/>
-            <a:ext cx="1274635" cy="1277291"/>
+            <a:off x="1080243" y="1136293"/>
+            <a:ext cx="7212349" cy="5105885"/>
           </a:xfrm>
-          <a:prstGeom prst="rect">
-            <a:avLst/>
-          </a:prstGeom>
-          <a:noFill/>
-          <a:extLst>
-            <a:ext uri="{909E8E84-426E-40DD-AFC4-6F175D3DCCD1}">
-              <a14:hiddenFill xmlns:a14="http://schemas.microsoft.com/office/drawing/2010/main">
-                <a:solidFill>
-                  <a:srgbClr val="FFFFFF"/>
-                </a:solidFill>
-              </a14:hiddenFill>
-            </a:ext>
-          </a:extLst>
         </p:spPr>
       </p:pic>
     </p:spTree>
     <p:extLst>
       <p:ext uri="{BB962C8B-B14F-4D97-AF65-F5344CB8AC3E}">
-        <p14:creationId xmlns:p14="http://schemas.microsoft.com/office/powerpoint/2010/main" val="4119975446"/>
+        <p14:creationId xmlns:p14="http://schemas.microsoft.com/office/powerpoint/2010/main" val="1535646932"/>
       </p:ext>
     </p:extLst>
   </p:cSld>
@@ -6926,83 +6529,7 @@
   <p:timing>
     <p:tnLst>
       <p:par>
-        <p:cTn id="1" dur="indefinite" restart="never" nodeType="tmRoot">
-          <p:childTnLst>
-            <p:seq concurrent="1" nextAc="seek">
-              <p:cTn id="2" dur="indefinite" nodeType="mainSeq">
-                <p:childTnLst>
-                  <p:par>
-                    <p:cTn id="3" fill="hold">
-                      <p:stCondLst>
-                        <p:cond delay="indefinite"/>
-                      </p:stCondLst>
-                      <p:childTnLst>
-                        <p:par>
-                          <p:cTn id="4" fill="hold">
-                            <p:stCondLst>
-                              <p:cond delay="0"/>
-                            </p:stCondLst>
-                            <p:childTnLst>
-                              <p:par>
-                                <p:cTn id="5" presetID="21" presetClass="entr" presetSubtype="1" fill="hold" nodeType="clickEffect">
-                                  <p:stCondLst>
-                                    <p:cond delay="0"/>
-                                  </p:stCondLst>
-                                  <p:childTnLst>
-                                    <p:set>
-                                      <p:cBhvr>
-                                        <p:cTn id="6" dur="1" fill="hold">
-                                          <p:stCondLst>
-                                            <p:cond delay="0"/>
-                                          </p:stCondLst>
-                                        </p:cTn>
-                                        <p:tgtEl>
-                                          <p:spTgt spid="2050"/>
-                                        </p:tgtEl>
-                                        <p:attrNameLst>
-                                          <p:attrName>style.visibility</p:attrName>
-                                        </p:attrNameLst>
-                                      </p:cBhvr>
-                                      <p:to>
-                                        <p:strVal val="visible"/>
-                                      </p:to>
-                                    </p:set>
-                                    <p:animEffect transition="in" filter="wheel(1)">
-                                      <p:cBhvr>
-                                        <p:cTn id="7" dur="2000"/>
-                                        <p:tgtEl>
-                                          <p:spTgt spid="2050"/>
-                                        </p:tgtEl>
-                                      </p:cBhvr>
-                                    </p:animEffect>
-                                  </p:childTnLst>
-                                </p:cTn>
-                              </p:par>
-                            </p:childTnLst>
-                          </p:cTn>
-                        </p:par>
-                      </p:childTnLst>
-                    </p:cTn>
-                  </p:par>
-                </p:childTnLst>
-              </p:cTn>
-              <p:prevCondLst>
-                <p:cond evt="onPrev" delay="0">
-                  <p:tgtEl>
-                    <p:sldTgt/>
-                  </p:tgtEl>
-                </p:cond>
-              </p:prevCondLst>
-              <p:nextCondLst>
-                <p:cond evt="onNext" delay="0">
-                  <p:tgtEl>
-                    <p:sldTgt/>
-                  </p:tgtEl>
-                </p:cond>
-              </p:nextCondLst>
-            </p:seq>
-          </p:childTnLst>
-        </p:cTn>
+        <p:cTn id="1" dur="indefinite" restart="never" nodeType="tmRoot"/>
       </p:par>
     </p:tnLst>
   </p:timing>
@@ -7038,162 +6565,278 @@
         </p:nvSpPr>
         <p:spPr>
           <a:xfrm>
-            <a:off x="220134" y="839789"/>
+            <a:off x="425407" y="839789"/>
             <a:ext cx="8596668" cy="1320800"/>
           </a:xfrm>
         </p:spPr>
         <p:txBody>
-          <a:bodyPr>
-            <a:normAutofit/>
-          </a:bodyPr>
+          <a:bodyPr/>
           <a:lstStyle/>
           <a:p>
             <a:pPr algn="r" rtl="1"/>
             <a:r>
-              <a:rPr lang="fa-IR" sz="4400" dirty="0">
+              <a:rPr lang="fa-IR" dirty="0" smtClean="0">
                 <a:latin typeface="Arabic Typesetting" panose="03020402040406030203" pitchFamily="66" charset="-78"/>
                 <a:cs typeface="Arabic Typesetting" panose="03020402040406030203" pitchFamily="66" charset="-78"/>
               </a:rPr>
-              <a:t>ما تا کجا پیش رفته‌ایم؟</a:t>
-            </a:r>
-            <a:endParaRPr lang="en-US" sz="4400" dirty="0">
+              <a:t>صفحه اصلی برنامه </a:t>
+            </a:r>
+            <a:endParaRPr lang="en-US" dirty="0">
               <a:latin typeface="Arabic Typesetting" panose="03020402040406030203" pitchFamily="66" charset="-78"/>
               <a:cs typeface="Arabic Typesetting" panose="03020402040406030203" pitchFamily="66" charset="-78"/>
             </a:endParaRPr>
           </a:p>
         </p:txBody>
       </p:sp>
-      <p:sp>
-        <p:nvSpPr>
-          <p:cNvPr id="3" name="Content Placeholder 2"/>
-          <p:cNvSpPr>
-            <a:spLocks noGrp="1"/>
-          </p:cNvSpPr>
-          <p:nvPr>
-            <p:ph idx="1"/>
-          </p:nvPr>
-        </p:nvSpPr>
-        <p:spPr/>
-        <p:txBody>
-          <a:bodyPr>
-            <a:normAutofit/>
-          </a:bodyPr>
-          <a:lstStyle/>
-          <a:p>
-            <a:pPr algn="just" rtl="1"/>
-            <a:r>
-              <a:rPr lang="fa-IR" sz="2800" dirty="0" smtClean="0">
-                <a:latin typeface="Arabic Typesetting" panose="03020402040406030203" pitchFamily="66" charset="-78"/>
-                <a:cs typeface="Arabic Typesetting" panose="03020402040406030203" pitchFamily="66" charset="-78"/>
-              </a:rPr>
-              <a:t> تمامی اطلاعات درباره سلسله ها جمع آوری شده </a:t>
-            </a:r>
-          </a:p>
-          <a:p>
-            <a:pPr algn="just" rtl="1"/>
-            <a:endParaRPr lang="fa-IR" sz="800" dirty="0" smtClean="0">
-              <a:latin typeface="Arabic Typesetting" panose="03020402040406030203" pitchFamily="66" charset="-78"/>
-              <a:cs typeface="Arabic Typesetting" panose="03020402040406030203" pitchFamily="66" charset="-78"/>
-            </a:endParaRPr>
-          </a:p>
-          <a:p>
-            <a:pPr algn="just" rtl="1"/>
-            <a:r>
-              <a:rPr lang="fa-IR" sz="2800" dirty="0" smtClean="0">
-                <a:latin typeface="Arabic Typesetting" panose="03020402040406030203" pitchFamily="66" charset="-78"/>
-                <a:cs typeface="Arabic Typesetting" panose="03020402040406030203" pitchFamily="66" charset="-78"/>
-              </a:rPr>
-              <a:t> صفحه اصلی برنامه ساخته شده </a:t>
-            </a:r>
-          </a:p>
-          <a:p>
-            <a:pPr algn="just" rtl="1"/>
-            <a:endParaRPr lang="fa-IR" sz="800" dirty="0">
-              <a:latin typeface="Arabic Typesetting" panose="03020402040406030203" pitchFamily="66" charset="-78"/>
-              <a:cs typeface="Arabic Typesetting" panose="03020402040406030203" pitchFamily="66" charset="-78"/>
-            </a:endParaRPr>
-          </a:p>
-          <a:p>
-            <a:pPr algn="just" rtl="1"/>
-            <a:r>
-              <a:rPr lang="fa-IR" sz="2800" dirty="0" smtClean="0">
-                <a:latin typeface="Arabic Typesetting" panose="03020402040406030203" pitchFamily="66" charset="-78"/>
-                <a:cs typeface="Arabic Typesetting" panose="03020402040406030203" pitchFamily="66" charset="-78"/>
-              </a:rPr>
-              <a:t> بک گراند ( پس زمینه ) تمامی صفحات ساخته شده </a:t>
-            </a:r>
-          </a:p>
-          <a:p>
-            <a:pPr algn="just" rtl="1"/>
-            <a:endParaRPr lang="fa-IR" sz="2800" dirty="0">
-              <a:latin typeface="Arabic Typesetting" panose="03020402040406030203" pitchFamily="66" charset="-78"/>
-              <a:cs typeface="Arabic Typesetting" panose="03020402040406030203" pitchFamily="66" charset="-78"/>
-            </a:endParaRPr>
-          </a:p>
-          <a:p>
-            <a:pPr algn="just" rtl="1"/>
-            <a:r>
-              <a:rPr lang="fa-IR" sz="2800" dirty="0" smtClean="0">
-                <a:latin typeface="Arabic Typesetting" panose="03020402040406030203" pitchFamily="66" charset="-78"/>
-                <a:cs typeface="Arabic Typesetting" panose="03020402040406030203" pitchFamily="66" charset="-78"/>
-              </a:rPr>
-              <a:t>...</a:t>
-            </a:r>
-          </a:p>
-          <a:p>
-            <a:pPr algn="just" rtl="1"/>
-            <a:endParaRPr lang="en-US" sz="2800" dirty="0">
-              <a:latin typeface="Arabic Typesetting" panose="03020402040406030203" pitchFamily="66" charset="-78"/>
-              <a:cs typeface="Arabic Typesetting" panose="03020402040406030203" pitchFamily="66" charset="-78"/>
-            </a:endParaRPr>
-          </a:p>
-        </p:txBody>
-      </p:sp>
       <p:pic>
         <p:nvPicPr>
-          <p:cNvPr id="2050" name="Picture 2" descr="پرونده:Sampad.svg"/>
+          <p:cNvPr id="5" name="Picture 4"/>
           <p:cNvPicPr>
-            <a:picLocks noChangeAspect="1" noChangeArrowheads="1"/>
+            <a:picLocks noChangeAspect="1"/>
           </p:cNvPicPr>
           <p:nvPr/>
         </p:nvPicPr>
         <p:blipFill>
-          <a:blip r:embed="rId2" cstate="print">
+          <a:blip r:embed="rId2">
             <a:extLst>
               <a:ext uri="{28A0092B-C50C-407E-A947-70E740481C1C}">
                 <a14:useLocalDpi xmlns:a14="http://schemas.microsoft.com/office/drawing/2010/main" val="0"/>
               </a:ext>
             </a:extLst>
           </a:blip>
-          <a:srcRect/>
           <a:stretch>
             <a:fillRect/>
           </a:stretch>
         </p:blipFill>
-        <p:spPr bwMode="auto">
+        <p:spPr>
           <a:xfrm>
-            <a:off x="1013236" y="609600"/>
-            <a:ext cx="1274635" cy="1277291"/>
+            <a:off x="-1517665" y="1303709"/>
+            <a:ext cx="6346181" cy="4491560"/>
           </a:xfrm>
           <a:prstGeom prst="rect">
             <a:avLst/>
           </a:prstGeom>
-          <a:noFill/>
-          <a:extLst>
-            <a:ext uri="{909E8E84-426E-40DD-AFC4-6F175D3DCCD1}">
-              <a14:hiddenFill xmlns:a14="http://schemas.microsoft.com/office/drawing/2010/main">
-                <a:solidFill>
-                  <a:srgbClr val="FFFFFF"/>
-                </a:solidFill>
-              </a14:hiddenFill>
-            </a:ext>
-          </a:extLst>
         </p:spPr>
       </p:pic>
+      <p:sp>
+        <p:nvSpPr>
+          <p:cNvPr id="3" name="Content Placeholder 2"/>
+          <p:cNvSpPr>
+            <a:spLocks noGrp="1"/>
+          </p:cNvSpPr>
+          <p:nvPr>
+            <p:ph idx="1"/>
+          </p:nvPr>
+        </p:nvSpPr>
+        <p:spPr>
+          <a:xfrm>
+            <a:off x="0" y="2655112"/>
+            <a:ext cx="8596668" cy="3880773"/>
+          </a:xfrm>
+        </p:spPr>
+        <p:txBody>
+          <a:bodyPr/>
+          <a:lstStyle/>
+          <a:p>
+            <a:r>
+              <a:rPr lang="fa-IR" dirty="0" smtClean="0"/>
+              <a:t> </a:t>
+            </a:r>
+            <a:endParaRPr lang="en-US" dirty="0"/>
+          </a:p>
+        </p:txBody>
+      </p:sp>
+      <p:sp>
+        <p:nvSpPr>
+          <p:cNvPr id="10" name="Right Arrow 9"/>
+          <p:cNvSpPr/>
+          <p:nvPr/>
+        </p:nvSpPr>
+        <p:spPr>
+          <a:xfrm rot="10800000">
+            <a:off x="4641169" y="2984572"/>
+            <a:ext cx="732475" cy="207297"/>
+          </a:xfrm>
+          <a:prstGeom prst="rightArrow">
+            <a:avLst/>
+          </a:prstGeom>
+        </p:spPr>
+        <p:style>
+          <a:lnRef idx="2">
+            <a:schemeClr val="accent1">
+              <a:shade val="50000"/>
+            </a:schemeClr>
+          </a:lnRef>
+          <a:fillRef idx="1">
+            <a:schemeClr val="accent1"/>
+          </a:fillRef>
+          <a:effectRef idx="0">
+            <a:schemeClr val="accent1"/>
+          </a:effectRef>
+          <a:fontRef idx="minor">
+            <a:schemeClr val="lt1"/>
+          </a:fontRef>
+        </p:style>
+        <p:txBody>
+          <a:bodyPr rtlCol="0" anchor="ctr"/>
+          <a:lstStyle/>
+          <a:p>
+            <a:pPr algn="ctr"/>
+            <a:endParaRPr lang="en-US"/>
+          </a:p>
+        </p:txBody>
+      </p:sp>
+      <p:sp>
+        <p:nvSpPr>
+          <p:cNvPr id="11" name="Rectangle 10"/>
+          <p:cNvSpPr/>
+          <p:nvPr/>
+        </p:nvSpPr>
+        <p:spPr>
+          <a:xfrm>
+            <a:off x="5266666" y="2255839"/>
+            <a:ext cx="4420259" cy="3539430"/>
+          </a:xfrm>
+          <a:prstGeom prst="rect">
+            <a:avLst/>
+          </a:prstGeom>
+        </p:spPr>
+        <p:txBody>
+          <a:bodyPr wrap="square">
+            <a:spAutoFit/>
+          </a:bodyPr>
+          <a:lstStyle/>
+          <a:p>
+            <a:pPr marL="285750" indent="-285750" algn="just" rtl="1">
+              <a:buFont typeface="Arial" panose="020B0604020202020204" pitchFamily="34" charset="0"/>
+              <a:buChar char="•"/>
+            </a:pPr>
+            <a:r>
+              <a:rPr lang="fa-IR" sz="2000" dirty="0">
+                <a:latin typeface="Arabic Typesetting" panose="03020402040406030203" pitchFamily="66" charset="-78"/>
+                <a:cs typeface="Arabic Typesetting" panose="03020402040406030203" pitchFamily="66" charset="-78"/>
+              </a:rPr>
+              <a:t>صفحه اصلی که شامل نام برخی از سلسله های ایران می باشد .</a:t>
+            </a:r>
+          </a:p>
+          <a:p>
+            <a:pPr marL="171450" indent="-171450" algn="just" rtl="1">
+              <a:buFont typeface="Arial" panose="020B0604020202020204" pitchFamily="34" charset="0"/>
+              <a:buChar char="•"/>
+            </a:pPr>
+            <a:endParaRPr lang="fa-IR" sz="700" dirty="0">
+              <a:latin typeface="Arabic Typesetting" panose="03020402040406030203" pitchFamily="66" charset="-78"/>
+              <a:cs typeface="Arabic Typesetting" panose="03020402040406030203" pitchFamily="66" charset="-78"/>
+            </a:endParaRPr>
+          </a:p>
+          <a:p>
+            <a:pPr marL="285750" indent="-285750" algn="just" rtl="1">
+              <a:buFont typeface="Arial" panose="020B0604020202020204" pitchFamily="34" charset="0"/>
+              <a:buChar char="•"/>
+            </a:pPr>
+            <a:r>
+              <a:rPr lang="fa-IR" sz="2000" dirty="0">
+                <a:latin typeface="Arabic Typesetting" panose="03020402040406030203" pitchFamily="66" charset="-78"/>
+                <a:cs typeface="Arabic Typesetting" panose="03020402040406030203" pitchFamily="66" charset="-78"/>
+              </a:rPr>
+              <a:t>بعد از کلیک بر روی هر کدام از سلسله ها صفحه دیگری باز خواهد شد که شامل سرتیتر توضیحات سلسله ها می باشد .</a:t>
+            </a:r>
+          </a:p>
+          <a:p>
+            <a:pPr marL="171450" indent="-171450" algn="just" rtl="1">
+              <a:buFont typeface="Arial" panose="020B0604020202020204" pitchFamily="34" charset="0"/>
+              <a:buChar char="•"/>
+            </a:pPr>
+            <a:endParaRPr lang="fa-IR" sz="700" dirty="0">
+              <a:latin typeface="Arabic Typesetting" panose="03020402040406030203" pitchFamily="66" charset="-78"/>
+              <a:cs typeface="Arabic Typesetting" panose="03020402040406030203" pitchFamily="66" charset="-78"/>
+            </a:endParaRPr>
+          </a:p>
+          <a:p>
+            <a:pPr marL="285750" indent="-285750" algn="just" rtl="1">
+              <a:buFont typeface="Arial" panose="020B0604020202020204" pitchFamily="34" charset="0"/>
+              <a:buChar char="•"/>
+            </a:pPr>
+            <a:r>
+              <a:rPr lang="fa-IR" sz="2000" dirty="0">
+                <a:latin typeface="Arabic Typesetting" panose="03020402040406030203" pitchFamily="66" charset="-78"/>
+                <a:cs typeface="Arabic Typesetting" panose="03020402040406030203" pitchFamily="66" charset="-78"/>
+              </a:rPr>
+              <a:t>بعد از کلیک بر روی هر کدام از سرتیتر ها توضیحات آنها در صفحه دیگری به شما نمایش داده می شود .</a:t>
+            </a:r>
+          </a:p>
+          <a:p>
+            <a:pPr marL="171450" indent="-171450" algn="just" rtl="1">
+              <a:buFont typeface="Arial" panose="020B0604020202020204" pitchFamily="34" charset="0"/>
+              <a:buChar char="•"/>
+            </a:pPr>
+            <a:endParaRPr lang="fa-IR" sz="700" dirty="0">
+              <a:latin typeface="Arabic Typesetting" panose="03020402040406030203" pitchFamily="66" charset="-78"/>
+              <a:cs typeface="Arabic Typesetting" panose="03020402040406030203" pitchFamily="66" charset="-78"/>
+            </a:endParaRPr>
+          </a:p>
+          <a:p>
+            <a:pPr marL="285750" indent="-285750" algn="just" rtl="1">
+              <a:buFont typeface="Arial" panose="020B0604020202020204" pitchFamily="34" charset="0"/>
+              <a:buChar char="•"/>
+            </a:pPr>
+            <a:r>
+              <a:rPr lang="fa-IR" sz="2000" dirty="0">
+                <a:latin typeface="Arabic Typesetting" panose="03020402040406030203" pitchFamily="66" charset="-78"/>
+                <a:cs typeface="Arabic Typesetting" panose="03020402040406030203" pitchFamily="66" charset="-78"/>
+              </a:rPr>
+              <a:t>در تمامی صفحات دکمه (برگشت به صفحه اصلی) و (قبلی) وجود دارد .</a:t>
+            </a:r>
+          </a:p>
+          <a:p>
+            <a:pPr marL="171450" indent="-171450" algn="just" rtl="1">
+              <a:buFont typeface="Arial" panose="020B0604020202020204" pitchFamily="34" charset="0"/>
+              <a:buChar char="•"/>
+            </a:pPr>
+            <a:endParaRPr lang="fa-IR" sz="700" dirty="0">
+              <a:latin typeface="Arabic Typesetting" panose="03020402040406030203" pitchFamily="66" charset="-78"/>
+              <a:cs typeface="Arabic Typesetting" panose="03020402040406030203" pitchFamily="66" charset="-78"/>
+            </a:endParaRPr>
+          </a:p>
+          <a:p>
+            <a:pPr marL="285750" indent="-285750" algn="just" rtl="1">
+              <a:buFont typeface="Arial" panose="020B0604020202020204" pitchFamily="34" charset="0"/>
+              <a:buChar char="•"/>
+            </a:pPr>
+            <a:r>
+              <a:rPr lang="fa-IR" sz="2000" dirty="0">
+                <a:latin typeface="Arabic Typesetting" panose="03020402040406030203" pitchFamily="66" charset="-78"/>
+                <a:cs typeface="Arabic Typesetting" panose="03020402040406030203" pitchFamily="66" charset="-78"/>
+              </a:rPr>
+              <a:t>یک آهنگ سنتی ایرانی هم حین کار با برنامه پخش می شود ، که میتوان آن را قطع کرد .</a:t>
+            </a:r>
+          </a:p>
+          <a:p>
+            <a:pPr marL="285750" indent="-285750" algn="just" rtl="1">
+              <a:buFont typeface="Arial" panose="020B0604020202020204" pitchFamily="34" charset="0"/>
+              <a:buChar char="•"/>
+            </a:pPr>
+            <a:endParaRPr lang="fa-IR" dirty="0">
+              <a:latin typeface="Arabic Typesetting" panose="03020402040406030203" pitchFamily="66" charset="-78"/>
+              <a:cs typeface="Arabic Typesetting" panose="03020402040406030203" pitchFamily="66" charset="-78"/>
+            </a:endParaRPr>
+          </a:p>
+          <a:p>
+            <a:pPr marL="285750" indent="-285750" algn="just" rtl="1">
+              <a:buFont typeface="Arial" panose="020B0604020202020204" pitchFamily="34" charset="0"/>
+              <a:buChar char="•"/>
+            </a:pPr>
+            <a:endParaRPr lang="fa-IR" dirty="0">
+              <a:latin typeface="Arabic Typesetting" panose="03020402040406030203" pitchFamily="66" charset="-78"/>
+              <a:cs typeface="Arabic Typesetting" panose="03020402040406030203" pitchFamily="66" charset="-78"/>
+            </a:endParaRPr>
+          </a:p>
+        </p:txBody>
+      </p:sp>
     </p:spTree>
     <p:extLst>
       <p:ext uri="{BB962C8B-B14F-4D97-AF65-F5344CB8AC3E}">
-        <p14:creationId xmlns:p14="http://schemas.microsoft.com/office/powerpoint/2010/main" val="585539210"/>
+        <p14:creationId xmlns:p14="http://schemas.microsoft.com/office/powerpoint/2010/main" val="382899436"/>
       </p:ext>
     </p:extLst>
   </p:cSld>
@@ -7203,129 +6846,7 @@
   <p:timing>
     <p:tnLst>
       <p:par>
-        <p:cTn id="1" dur="indefinite" restart="never" nodeType="tmRoot">
-          <p:childTnLst>
-            <p:seq concurrent="1" nextAc="seek">
-              <p:cTn id="2" dur="indefinite" nodeType="mainSeq">
-                <p:childTnLst>
-                  <p:par>
-                    <p:cTn id="3" fill="hold">
-                      <p:stCondLst>
-                        <p:cond delay="indefinite"/>
-                      </p:stCondLst>
-                      <p:childTnLst>
-                        <p:par>
-                          <p:cTn id="4" fill="hold">
-                            <p:stCondLst>
-                              <p:cond delay="0"/>
-                            </p:stCondLst>
-                            <p:childTnLst>
-                              <p:par>
-                                <p:cTn id="5" presetID="53" presetClass="entr" presetSubtype="16" fill="hold" nodeType="clickEffect">
-                                  <p:stCondLst>
-                                    <p:cond delay="0"/>
-                                  </p:stCondLst>
-                                  <p:childTnLst>
-                                    <p:set>
-                                      <p:cBhvr>
-                                        <p:cTn id="6" dur="1" fill="hold">
-                                          <p:stCondLst>
-                                            <p:cond delay="0"/>
-                                          </p:stCondLst>
-                                        </p:cTn>
-                                        <p:tgtEl>
-                                          <p:spTgt spid="2050"/>
-                                        </p:tgtEl>
-                                        <p:attrNameLst>
-                                          <p:attrName>style.visibility</p:attrName>
-                                        </p:attrNameLst>
-                                      </p:cBhvr>
-                                      <p:to>
-                                        <p:strVal val="visible"/>
-                                      </p:to>
-                                    </p:set>
-                                    <p:anim calcmode="lin" valueType="num">
-                                      <p:cBhvr>
-                                        <p:cTn id="7" dur="500" fill="hold"/>
-                                        <p:tgtEl>
-                                          <p:spTgt spid="2050"/>
-                                        </p:tgtEl>
-                                        <p:attrNameLst>
-                                          <p:attrName>ppt_w</p:attrName>
-                                        </p:attrNameLst>
-                                      </p:cBhvr>
-                                      <p:tavLst>
-                                        <p:tav tm="0">
-                                          <p:val>
-                                            <p:fltVal val="0"/>
-                                          </p:val>
-                                        </p:tav>
-                                        <p:tav tm="100000">
-                                          <p:val>
-                                            <p:strVal val="#ppt_w"/>
-                                          </p:val>
-                                        </p:tav>
-                                      </p:tavLst>
-                                    </p:anim>
-                                    <p:anim calcmode="lin" valueType="num">
-                                      <p:cBhvr>
-                                        <p:cTn id="8" dur="500" fill="hold"/>
-                                        <p:tgtEl>
-                                          <p:spTgt spid="2050"/>
-                                        </p:tgtEl>
-                                        <p:attrNameLst>
-                                          <p:attrName>ppt_h</p:attrName>
-                                        </p:attrNameLst>
-                                      </p:cBhvr>
-                                      <p:tavLst>
-                                        <p:tav tm="0">
-                                          <p:val>
-                                            <p:fltVal val="0"/>
-                                          </p:val>
-                                        </p:tav>
-                                        <p:tav tm="100000">
-                                          <p:val>
-                                            <p:strVal val="#ppt_h"/>
-                                          </p:val>
-                                        </p:tav>
-                                      </p:tavLst>
-                                    </p:anim>
-                                    <p:animEffect transition="in" filter="fade">
-                                      <p:cBhvr>
-                                        <p:cTn id="9" dur="500"/>
-                                        <p:tgtEl>
-                                          <p:spTgt spid="2050"/>
-                                        </p:tgtEl>
-                                      </p:cBhvr>
-                                    </p:animEffect>
-                                  </p:childTnLst>
-                                </p:cTn>
-                              </p:par>
-                            </p:childTnLst>
-                          </p:cTn>
-                        </p:par>
-                      </p:childTnLst>
-                    </p:cTn>
-                  </p:par>
-                </p:childTnLst>
-              </p:cTn>
-              <p:prevCondLst>
-                <p:cond evt="onPrev" delay="0">
-                  <p:tgtEl>
-                    <p:sldTgt/>
-                  </p:tgtEl>
-                </p:cond>
-              </p:prevCondLst>
-              <p:nextCondLst>
-                <p:cond evt="onNext" delay="0">
-                  <p:tgtEl>
-                    <p:sldTgt/>
-                  </p:tgtEl>
-                </p:cond>
-              </p:nextCondLst>
-            </p:seq>
-          </p:childTnLst>
-        </p:cTn>
+        <p:cTn id="1" dur="indefinite" restart="never" nodeType="tmRoot"/>
       </p:par>
     </p:tnLst>
   </p:timing>
@@ -7361,45 +6882,155 @@
         </p:nvSpPr>
         <p:spPr>
           <a:xfrm>
-            <a:off x="425407" y="839789"/>
+            <a:off x="584028" y="702940"/>
             <a:ext cx="8596668" cy="1320800"/>
           </a:xfrm>
         </p:spPr>
         <p:txBody>
-          <a:bodyPr/>
+          <a:bodyPr>
+            <a:normAutofit/>
+          </a:bodyPr>
           <a:lstStyle/>
           <a:p>
             <a:pPr algn="r" rtl="1"/>
             <a:r>
-              <a:rPr lang="fa-IR" dirty="0" smtClean="0">
+              <a:rPr lang="fa-IR" sz="4000" dirty="0" smtClean="0">
                 <a:latin typeface="Arabic Typesetting" panose="03020402040406030203" pitchFamily="66" charset="-78"/>
                 <a:cs typeface="Arabic Typesetting" panose="03020402040406030203" pitchFamily="66" charset="-78"/>
               </a:rPr>
-              <a:t>تاریخ ایران </a:t>
-            </a:r>
-            <a:r>
-              <a:rPr lang="fa-IR" dirty="0">
+              <a:t>صفحه توضیحات :</a:t>
+            </a:r>
+            <a:endParaRPr lang="en-US" sz="4000" dirty="0">
+              <a:latin typeface="Arabic Typesetting" panose="03020402040406030203" pitchFamily="66" charset="-78"/>
+              <a:cs typeface="Arabic Typesetting" panose="03020402040406030203" pitchFamily="66" charset="-78"/>
+            </a:endParaRPr>
+          </a:p>
+        </p:txBody>
+      </p:sp>
+      <p:sp>
+        <p:nvSpPr>
+          <p:cNvPr id="3" name="Content Placeholder 2"/>
+          <p:cNvSpPr>
+            <a:spLocks noGrp="1"/>
+          </p:cNvSpPr>
+          <p:nvPr>
+            <p:ph idx="1"/>
+          </p:nvPr>
+        </p:nvSpPr>
+        <p:spPr>
+          <a:xfrm>
+            <a:off x="5094514" y="2117081"/>
+            <a:ext cx="4334307" cy="3574592"/>
+          </a:xfrm>
+        </p:spPr>
+        <p:txBody>
+          <a:bodyPr>
+            <a:normAutofit/>
+          </a:bodyPr>
+          <a:lstStyle/>
+          <a:p>
+            <a:pPr algn="just" rtl="1"/>
+            <a:r>
+              <a:rPr lang="fa-IR" sz="1400" dirty="0" smtClean="0">
                 <a:latin typeface="Arabic Typesetting" panose="03020402040406030203" pitchFamily="66" charset="-78"/>
                 <a:cs typeface="Arabic Typesetting" panose="03020402040406030203" pitchFamily="66" charset="-78"/>
               </a:rPr>
-              <a:t>در آینده چگونه خواهد بود؟</a:t>
-            </a:r>
-            <a:endParaRPr lang="en-US" dirty="0">
+              <a:t>صفحه اصلی که شامل نام برخی از سلسله های ایران می باشد .</a:t>
+            </a:r>
+          </a:p>
+          <a:p>
+            <a:pPr algn="just" rtl="1"/>
+            <a:endParaRPr lang="fa-IR" sz="400" dirty="0" smtClean="0">
               <a:latin typeface="Arabic Typesetting" panose="03020402040406030203" pitchFamily="66" charset="-78"/>
               <a:cs typeface="Arabic Typesetting" panose="03020402040406030203" pitchFamily="66" charset="-78"/>
             </a:endParaRPr>
           </a:p>
+          <a:p>
+            <a:pPr algn="just" rtl="1"/>
+            <a:r>
+              <a:rPr lang="fa-IR" sz="1400" dirty="0" smtClean="0">
+                <a:latin typeface="Arabic Typesetting" panose="03020402040406030203" pitchFamily="66" charset="-78"/>
+                <a:cs typeface="Arabic Typesetting" panose="03020402040406030203" pitchFamily="66" charset="-78"/>
+              </a:rPr>
+              <a:t>بعد از کلیک بر روی هر کدام از سلسله ها صفحه دیگری باز خواهد شد که شامل سرتیتر توضیحات سلسله ها می باشد .</a:t>
+            </a:r>
+          </a:p>
+          <a:p>
+            <a:pPr algn="just" rtl="1"/>
+            <a:endParaRPr lang="fa-IR" sz="400" dirty="0" smtClean="0">
+              <a:latin typeface="Arabic Typesetting" panose="03020402040406030203" pitchFamily="66" charset="-78"/>
+              <a:cs typeface="Arabic Typesetting" panose="03020402040406030203" pitchFamily="66" charset="-78"/>
+            </a:endParaRPr>
+          </a:p>
+          <a:p>
+            <a:pPr algn="just" rtl="1"/>
+            <a:r>
+              <a:rPr lang="fa-IR" sz="1400" dirty="0" smtClean="0">
+                <a:latin typeface="Arabic Typesetting" panose="03020402040406030203" pitchFamily="66" charset="-78"/>
+                <a:cs typeface="Arabic Typesetting" panose="03020402040406030203" pitchFamily="66" charset="-78"/>
+              </a:rPr>
+              <a:t>بعد از کلیک بر روی هر کدام از سرتیتر ها توضیحات آنها در صفحه دیگری به شما نمایش داده می شود .</a:t>
+            </a:r>
+          </a:p>
+          <a:p>
+            <a:pPr algn="just" rtl="1"/>
+            <a:endParaRPr lang="fa-IR" sz="400" dirty="0" smtClean="0">
+              <a:latin typeface="Arabic Typesetting" panose="03020402040406030203" pitchFamily="66" charset="-78"/>
+              <a:cs typeface="Arabic Typesetting" panose="03020402040406030203" pitchFamily="66" charset="-78"/>
+            </a:endParaRPr>
+          </a:p>
+          <a:p>
+            <a:pPr algn="just" rtl="1"/>
+            <a:r>
+              <a:rPr lang="fa-IR" sz="1400" dirty="0" smtClean="0">
+                <a:latin typeface="Arabic Typesetting" panose="03020402040406030203" pitchFamily="66" charset="-78"/>
+                <a:cs typeface="Arabic Typesetting" panose="03020402040406030203" pitchFamily="66" charset="-78"/>
+              </a:rPr>
+              <a:t>در تمامی صفحات دکمه (برگشت به صفحه اصلی) و (قبلی) وجود دارد .</a:t>
+            </a:r>
+          </a:p>
+          <a:p>
+            <a:pPr algn="just" rtl="1"/>
+            <a:endParaRPr lang="fa-IR" sz="400" dirty="0" smtClean="0">
+              <a:latin typeface="Arabic Typesetting" panose="03020402040406030203" pitchFamily="66" charset="-78"/>
+              <a:cs typeface="Arabic Typesetting" panose="03020402040406030203" pitchFamily="66" charset="-78"/>
+            </a:endParaRPr>
+          </a:p>
+          <a:p>
+            <a:pPr algn="just" rtl="1"/>
+            <a:r>
+              <a:rPr lang="fa-IR" sz="1400" dirty="0" smtClean="0">
+                <a:latin typeface="Arabic Typesetting" panose="03020402040406030203" pitchFamily="66" charset="-78"/>
+                <a:cs typeface="Arabic Typesetting" panose="03020402040406030203" pitchFamily="66" charset="-78"/>
+              </a:rPr>
+              <a:t>یک آهنگ سنتی ایرانی هم حین کار با برنامه پخش می شود ، که میتوان آن را قطع کرد .</a:t>
+            </a:r>
+          </a:p>
+          <a:p>
+            <a:pPr marL="0" indent="0" algn="just" rtl="1">
+              <a:buNone/>
+            </a:pPr>
+            <a:endParaRPr lang="fa-IR" sz="2400" dirty="0" smtClean="0">
+              <a:latin typeface="Arabic Typesetting" panose="03020402040406030203" pitchFamily="66" charset="-78"/>
+              <a:cs typeface="Arabic Typesetting" panose="03020402040406030203" pitchFamily="66" charset="-78"/>
+            </a:endParaRPr>
+          </a:p>
+          <a:p>
+            <a:pPr algn="just" rtl="1"/>
+            <a:endParaRPr lang="fa-IR" sz="2400" dirty="0" smtClean="0">
+              <a:latin typeface="Arabic Typesetting" panose="03020402040406030203" pitchFamily="66" charset="-78"/>
+              <a:cs typeface="Arabic Typesetting" panose="03020402040406030203" pitchFamily="66" charset="-78"/>
+            </a:endParaRPr>
+          </a:p>
         </p:txBody>
       </p:sp>
       <p:pic>
         <p:nvPicPr>
-          <p:cNvPr id="4" name="Content Placeholder 3"/>
+          <p:cNvPr id="4" name="Picture 3"/>
           <p:cNvPicPr>
-            <a:picLocks noGrp="1" noChangeAspect="1"/>
+            <a:picLocks noChangeAspect="1"/>
           </p:cNvPicPr>
-          <p:nvPr>
-            <p:ph idx="1"/>
-          </p:nvPr>
+          <p:nvPr/>
         </p:nvPicPr>
         <p:blipFill>
           <a:blip r:embed="rId2">
@@ -7415,76 +7046,8 @@
         </p:blipFill>
         <p:spPr>
           <a:xfrm>
-            <a:off x="487873" y="2390778"/>
-            <a:ext cx="4235868" cy="2998725"/>
-          </a:xfrm>
-        </p:spPr>
-      </p:pic>
-      <p:pic>
-        <p:nvPicPr>
-          <p:cNvPr id="2050" name="Picture 2" descr="پرونده:Sampad.svg"/>
-          <p:cNvPicPr>
-            <a:picLocks noChangeAspect="1" noChangeArrowheads="1"/>
-          </p:cNvPicPr>
-          <p:nvPr/>
-        </p:nvPicPr>
-        <p:blipFill>
-          <a:blip r:embed="rId3" cstate="print">
-            <a:extLst>
-              <a:ext uri="{28A0092B-C50C-407E-A947-70E740481C1C}">
-                <a14:useLocalDpi xmlns:a14="http://schemas.microsoft.com/office/drawing/2010/main" val="0"/>
-              </a:ext>
-            </a:extLst>
-          </a:blip>
-          <a:srcRect/>
-          <a:stretch>
-            <a:fillRect/>
-          </a:stretch>
-        </p:blipFill>
-        <p:spPr bwMode="auto">
-          <a:xfrm>
-            <a:off x="1013236" y="609600"/>
-            <a:ext cx="1274635" cy="1277291"/>
-          </a:xfrm>
-          <a:prstGeom prst="rect">
-            <a:avLst/>
-          </a:prstGeom>
-          <a:noFill/>
-          <a:extLst>
-            <a:ext uri="{909E8E84-426E-40DD-AFC4-6F175D3DCCD1}">
-              <a14:hiddenFill xmlns:a14="http://schemas.microsoft.com/office/drawing/2010/main">
-                <a:solidFill>
-                  <a:srgbClr val="FFFFFF"/>
-                </a:solidFill>
-              </a14:hiddenFill>
-            </a:ext>
-          </a:extLst>
-        </p:spPr>
-      </p:pic>
-      <p:pic>
-        <p:nvPicPr>
-          <p:cNvPr id="5" name="Picture 4"/>
-          <p:cNvPicPr>
-            <a:picLocks noChangeAspect="1"/>
-          </p:cNvPicPr>
-          <p:nvPr/>
-        </p:nvPicPr>
-        <p:blipFill>
-          <a:blip r:embed="rId4">
-            <a:extLst>
-              <a:ext uri="{28A0092B-C50C-407E-A947-70E740481C1C}">
-                <a14:useLocalDpi xmlns:a14="http://schemas.microsoft.com/office/drawing/2010/main" val="0"/>
-              </a:ext>
-            </a:extLst>
-          </a:blip>
-          <a:stretch>
-            <a:fillRect/>
-          </a:stretch>
-        </p:blipFill>
-        <p:spPr>
-          <a:xfrm>
-            <a:off x="5149429" y="2390778"/>
-            <a:ext cx="4236937" cy="2998725"/>
+            <a:off x="-1579678" y="999446"/>
+            <a:ext cx="6462040" cy="4595228"/>
           </a:xfrm>
           <a:prstGeom prst="rect">
             <a:avLst/>
@@ -7494,7 +7057,7 @@
     </p:spTree>
     <p:extLst>
       <p:ext uri="{BB962C8B-B14F-4D97-AF65-F5344CB8AC3E}">
-        <p14:creationId xmlns:p14="http://schemas.microsoft.com/office/powerpoint/2010/main" val="1535646932"/>
+        <p14:creationId xmlns:p14="http://schemas.microsoft.com/office/powerpoint/2010/main" val="3740827510"/>
       </p:ext>
     </p:extLst>
   </p:cSld>
@@ -7504,83 +7067,7 @@
   <p:timing>
     <p:tnLst>
       <p:par>
-        <p:cTn id="1" dur="indefinite" restart="never" nodeType="tmRoot">
-          <p:childTnLst>
-            <p:seq concurrent="1" nextAc="seek">
-              <p:cTn id="2" dur="indefinite" nodeType="mainSeq">
-                <p:childTnLst>
-                  <p:par>
-                    <p:cTn id="3" fill="hold">
-                      <p:stCondLst>
-                        <p:cond delay="indefinite"/>
-                      </p:stCondLst>
-                      <p:childTnLst>
-                        <p:par>
-                          <p:cTn id="4" fill="hold">
-                            <p:stCondLst>
-                              <p:cond delay="0"/>
-                            </p:stCondLst>
-                            <p:childTnLst>
-                              <p:par>
-                                <p:cTn id="5" presetID="16" presetClass="entr" presetSubtype="21" fill="hold" nodeType="clickEffect">
-                                  <p:stCondLst>
-                                    <p:cond delay="0"/>
-                                  </p:stCondLst>
-                                  <p:childTnLst>
-                                    <p:set>
-                                      <p:cBhvr>
-                                        <p:cTn id="6" dur="1" fill="hold">
-                                          <p:stCondLst>
-                                            <p:cond delay="0"/>
-                                          </p:stCondLst>
-                                        </p:cTn>
-                                        <p:tgtEl>
-                                          <p:spTgt spid="2050"/>
-                                        </p:tgtEl>
-                                        <p:attrNameLst>
-                                          <p:attrName>style.visibility</p:attrName>
-                                        </p:attrNameLst>
-                                      </p:cBhvr>
-                                      <p:to>
-                                        <p:strVal val="visible"/>
-                                      </p:to>
-                                    </p:set>
-                                    <p:animEffect transition="in" filter="barn(inVertical)">
-                                      <p:cBhvr>
-                                        <p:cTn id="7" dur="500"/>
-                                        <p:tgtEl>
-                                          <p:spTgt spid="2050"/>
-                                        </p:tgtEl>
-                                      </p:cBhvr>
-                                    </p:animEffect>
-                                  </p:childTnLst>
-                                </p:cTn>
-                              </p:par>
-                            </p:childTnLst>
-                          </p:cTn>
-                        </p:par>
-                      </p:childTnLst>
-                    </p:cTn>
-                  </p:par>
-                </p:childTnLst>
-              </p:cTn>
-              <p:prevCondLst>
-                <p:cond evt="onPrev" delay="0">
-                  <p:tgtEl>
-                    <p:sldTgt/>
-                  </p:tgtEl>
-                </p:cond>
-              </p:prevCondLst>
-              <p:nextCondLst>
-                <p:cond evt="onNext" delay="0">
-                  <p:tgtEl>
-                    <p:sldTgt/>
-                  </p:tgtEl>
-                </p:cond>
-              </p:nextCondLst>
-            </p:seq>
-          </p:childTnLst>
-        </p:cTn>
+        <p:cTn id="1" dur="indefinite" restart="never" nodeType="tmRoot"/>
       </p:par>
     </p:tnLst>
   </p:timing>
@@ -7616,314 +7103,6 @@
         </p:nvSpPr>
         <p:spPr>
           <a:xfrm>
-            <a:off x="584028" y="702940"/>
-            <a:ext cx="8596668" cy="1320800"/>
-          </a:xfrm>
-        </p:spPr>
-        <p:txBody>
-          <a:bodyPr>
-            <a:normAutofit/>
-          </a:bodyPr>
-          <a:lstStyle/>
-          <a:p>
-            <a:pPr algn="r" rtl="1"/>
-            <a:r>
-              <a:rPr lang="fa-IR" sz="4000" dirty="0" smtClean="0">
-                <a:latin typeface="Arabic Typesetting" panose="03020402040406030203" pitchFamily="66" charset="-78"/>
-                <a:cs typeface="Arabic Typesetting" panose="03020402040406030203" pitchFamily="66" charset="-78"/>
-              </a:rPr>
-              <a:t>امکاناتی که در نسخه ی کامل خواهد بود :</a:t>
-            </a:r>
-            <a:endParaRPr lang="en-US" sz="4000" dirty="0">
-              <a:latin typeface="Arabic Typesetting" panose="03020402040406030203" pitchFamily="66" charset="-78"/>
-              <a:cs typeface="Arabic Typesetting" panose="03020402040406030203" pitchFamily="66" charset="-78"/>
-            </a:endParaRPr>
-          </a:p>
-        </p:txBody>
-      </p:sp>
-      <p:sp>
-        <p:nvSpPr>
-          <p:cNvPr id="3" name="Content Placeholder 2"/>
-          <p:cNvSpPr>
-            <a:spLocks noGrp="1"/>
-          </p:cNvSpPr>
-          <p:nvPr>
-            <p:ph idx="1"/>
-          </p:nvPr>
-        </p:nvSpPr>
-        <p:spPr>
-          <a:xfrm>
-            <a:off x="584028" y="2117080"/>
-            <a:ext cx="8844794" cy="3882504"/>
-          </a:xfrm>
-        </p:spPr>
-        <p:txBody>
-          <a:bodyPr>
-            <a:normAutofit/>
-          </a:bodyPr>
-          <a:lstStyle/>
-          <a:p>
-            <a:pPr algn="just" rtl="1"/>
-            <a:r>
-              <a:rPr lang="fa-IR" sz="2400" dirty="0" smtClean="0">
-                <a:latin typeface="Arabic Typesetting" panose="03020402040406030203" pitchFamily="66" charset="-78"/>
-                <a:cs typeface="Arabic Typesetting" panose="03020402040406030203" pitchFamily="66" charset="-78"/>
-              </a:rPr>
-              <a:t>صفحه اصلی که شامل نام برخی از سلسله های ایران می باشد .</a:t>
-            </a:r>
-          </a:p>
-          <a:p>
-            <a:pPr algn="just" rtl="1"/>
-            <a:endParaRPr lang="fa-IR" sz="800" dirty="0" smtClean="0">
-              <a:latin typeface="Arabic Typesetting" panose="03020402040406030203" pitchFamily="66" charset="-78"/>
-              <a:cs typeface="Arabic Typesetting" panose="03020402040406030203" pitchFamily="66" charset="-78"/>
-            </a:endParaRPr>
-          </a:p>
-          <a:p>
-            <a:pPr algn="just" rtl="1"/>
-            <a:r>
-              <a:rPr lang="fa-IR" sz="2400" dirty="0" smtClean="0">
-                <a:latin typeface="Arabic Typesetting" panose="03020402040406030203" pitchFamily="66" charset="-78"/>
-                <a:cs typeface="Arabic Typesetting" panose="03020402040406030203" pitchFamily="66" charset="-78"/>
-              </a:rPr>
-              <a:t>بعد از کلیک بر روی هر کدام از سلسله ها صفحه دیگری باز خواهد شد که شامل سرتیتر توضیحات سلسله ها می باشد .</a:t>
-            </a:r>
-          </a:p>
-          <a:p>
-            <a:pPr algn="just" rtl="1"/>
-            <a:endParaRPr lang="fa-IR" sz="800" dirty="0" smtClean="0">
-              <a:latin typeface="Arabic Typesetting" panose="03020402040406030203" pitchFamily="66" charset="-78"/>
-              <a:cs typeface="Arabic Typesetting" panose="03020402040406030203" pitchFamily="66" charset="-78"/>
-            </a:endParaRPr>
-          </a:p>
-          <a:p>
-            <a:pPr algn="just" rtl="1"/>
-            <a:r>
-              <a:rPr lang="fa-IR" sz="2400" dirty="0" smtClean="0">
-                <a:latin typeface="Arabic Typesetting" panose="03020402040406030203" pitchFamily="66" charset="-78"/>
-                <a:cs typeface="Arabic Typesetting" panose="03020402040406030203" pitchFamily="66" charset="-78"/>
-              </a:rPr>
-              <a:t>بعد از کلیک بر روی هر کدام از سرتیتر ها توضیحات آنها در صفحه دیگری به شما نمایش داده می شود .</a:t>
-            </a:r>
-          </a:p>
-          <a:p>
-            <a:pPr algn="just" rtl="1"/>
-            <a:endParaRPr lang="fa-IR" sz="800" dirty="0" smtClean="0">
-              <a:latin typeface="Arabic Typesetting" panose="03020402040406030203" pitchFamily="66" charset="-78"/>
-              <a:cs typeface="Arabic Typesetting" panose="03020402040406030203" pitchFamily="66" charset="-78"/>
-            </a:endParaRPr>
-          </a:p>
-          <a:p>
-            <a:pPr algn="just" rtl="1"/>
-            <a:r>
-              <a:rPr lang="fa-IR" sz="2400" dirty="0" smtClean="0">
-                <a:latin typeface="Arabic Typesetting" panose="03020402040406030203" pitchFamily="66" charset="-78"/>
-                <a:cs typeface="Arabic Typesetting" panose="03020402040406030203" pitchFamily="66" charset="-78"/>
-              </a:rPr>
-              <a:t>در تمامی صفحات دکمه (برگشت به صفحه اصلی) و (قبلی) وجود دارد .</a:t>
-            </a:r>
-          </a:p>
-          <a:p>
-            <a:pPr algn="just" rtl="1"/>
-            <a:endParaRPr lang="fa-IR" sz="800" dirty="0" smtClean="0">
-              <a:latin typeface="Arabic Typesetting" panose="03020402040406030203" pitchFamily="66" charset="-78"/>
-              <a:cs typeface="Arabic Typesetting" panose="03020402040406030203" pitchFamily="66" charset="-78"/>
-            </a:endParaRPr>
-          </a:p>
-          <a:p>
-            <a:pPr algn="just" rtl="1"/>
-            <a:r>
-              <a:rPr lang="fa-IR" sz="2400" dirty="0" smtClean="0">
-                <a:latin typeface="Arabic Typesetting" panose="03020402040406030203" pitchFamily="66" charset="-78"/>
-                <a:cs typeface="Arabic Typesetting" panose="03020402040406030203" pitchFamily="66" charset="-78"/>
-              </a:rPr>
-              <a:t>یک آهنگ سنتی ایرانی هم حین کار با برنامه پخش می شود ، که میتوان آن را قطع کرد .</a:t>
-            </a:r>
-          </a:p>
-          <a:p>
-            <a:pPr marL="0" indent="0" algn="just" rtl="1">
-              <a:buNone/>
-            </a:pPr>
-            <a:endParaRPr lang="fa-IR" sz="2400" dirty="0" smtClean="0">
-              <a:latin typeface="Arabic Typesetting" panose="03020402040406030203" pitchFamily="66" charset="-78"/>
-              <a:cs typeface="Arabic Typesetting" panose="03020402040406030203" pitchFamily="66" charset="-78"/>
-            </a:endParaRPr>
-          </a:p>
-          <a:p>
-            <a:pPr algn="just" rtl="1"/>
-            <a:endParaRPr lang="fa-IR" sz="2400" dirty="0" smtClean="0">
-              <a:latin typeface="Arabic Typesetting" panose="03020402040406030203" pitchFamily="66" charset="-78"/>
-              <a:cs typeface="Arabic Typesetting" panose="03020402040406030203" pitchFamily="66" charset="-78"/>
-            </a:endParaRPr>
-          </a:p>
-        </p:txBody>
-      </p:sp>
-      <p:pic>
-        <p:nvPicPr>
-          <p:cNvPr id="2050" name="Picture 2" descr="پرونده:Sampad.svg"/>
-          <p:cNvPicPr>
-            <a:picLocks noChangeAspect="1" noChangeArrowheads="1"/>
-          </p:cNvPicPr>
-          <p:nvPr/>
-        </p:nvPicPr>
-        <p:blipFill>
-          <a:blip r:embed="rId2" cstate="print">
-            <a:extLst>
-              <a:ext uri="{28A0092B-C50C-407E-A947-70E740481C1C}">
-                <a14:useLocalDpi xmlns:a14="http://schemas.microsoft.com/office/drawing/2010/main" val="0"/>
-              </a:ext>
-            </a:extLst>
-          </a:blip>
-          <a:srcRect/>
-          <a:stretch>
-            <a:fillRect/>
-          </a:stretch>
-        </p:blipFill>
-        <p:spPr bwMode="auto">
-          <a:xfrm>
-            <a:off x="1013236" y="609600"/>
-            <a:ext cx="1274635" cy="1277291"/>
-          </a:xfrm>
-          <a:prstGeom prst="rect">
-            <a:avLst/>
-          </a:prstGeom>
-          <a:noFill/>
-          <a:extLst>
-            <a:ext uri="{909E8E84-426E-40DD-AFC4-6F175D3DCCD1}">
-              <a14:hiddenFill xmlns:a14="http://schemas.microsoft.com/office/drawing/2010/main">
-                <a:solidFill>
-                  <a:srgbClr val="FFFFFF"/>
-                </a:solidFill>
-              </a14:hiddenFill>
-            </a:ext>
-          </a:extLst>
-        </p:spPr>
-      </p:pic>
-    </p:spTree>
-    <p:extLst>
-      <p:ext uri="{BB962C8B-B14F-4D97-AF65-F5344CB8AC3E}">
-        <p14:creationId xmlns:p14="http://schemas.microsoft.com/office/powerpoint/2010/main" val="3740827510"/>
-      </p:ext>
-    </p:extLst>
-  </p:cSld>
-  <p:clrMapOvr>
-    <a:masterClrMapping/>
-  </p:clrMapOvr>
-  <p:timing>
-    <p:tnLst>
-      <p:par>
-        <p:cTn id="1" dur="indefinite" restart="never" nodeType="tmRoot">
-          <p:childTnLst>
-            <p:seq concurrent="1" nextAc="seek">
-              <p:cTn id="2" dur="indefinite" nodeType="mainSeq">
-                <p:childTnLst>
-                  <p:par>
-                    <p:cTn id="3" fill="hold">
-                      <p:stCondLst>
-                        <p:cond delay="indefinite"/>
-                      </p:stCondLst>
-                      <p:childTnLst>
-                        <p:par>
-                          <p:cTn id="4" fill="hold">
-                            <p:stCondLst>
-                              <p:cond delay="0"/>
-                            </p:stCondLst>
-                            <p:childTnLst>
-                              <p:par>
-                                <p:cTn id="5" presetID="22" presetClass="entr" presetSubtype="4" fill="hold" nodeType="clickEffect">
-                                  <p:stCondLst>
-                                    <p:cond delay="0"/>
-                                  </p:stCondLst>
-                                  <p:childTnLst>
-                                    <p:set>
-                                      <p:cBhvr>
-                                        <p:cTn id="6" dur="1" fill="hold">
-                                          <p:stCondLst>
-                                            <p:cond delay="0"/>
-                                          </p:stCondLst>
-                                        </p:cTn>
-                                        <p:tgtEl>
-                                          <p:spTgt spid="2050"/>
-                                        </p:tgtEl>
-                                        <p:attrNameLst>
-                                          <p:attrName>style.visibility</p:attrName>
-                                        </p:attrNameLst>
-                                      </p:cBhvr>
-                                      <p:to>
-                                        <p:strVal val="visible"/>
-                                      </p:to>
-                                    </p:set>
-                                    <p:animEffect transition="in" filter="wipe(down)">
-                                      <p:cBhvr>
-                                        <p:cTn id="7" dur="500"/>
-                                        <p:tgtEl>
-                                          <p:spTgt spid="2050"/>
-                                        </p:tgtEl>
-                                      </p:cBhvr>
-                                    </p:animEffect>
-                                  </p:childTnLst>
-                                </p:cTn>
-                              </p:par>
-                            </p:childTnLst>
-                          </p:cTn>
-                        </p:par>
-                      </p:childTnLst>
-                    </p:cTn>
-                  </p:par>
-                </p:childTnLst>
-              </p:cTn>
-              <p:prevCondLst>
-                <p:cond evt="onPrev" delay="0">
-                  <p:tgtEl>
-                    <p:sldTgt/>
-                  </p:tgtEl>
-                </p:cond>
-              </p:prevCondLst>
-              <p:nextCondLst>
-                <p:cond evt="onNext" delay="0">
-                  <p:tgtEl>
-                    <p:sldTgt/>
-                  </p:tgtEl>
-                </p:cond>
-              </p:nextCondLst>
-            </p:seq>
-          </p:childTnLst>
-        </p:cTn>
-      </p:par>
-    </p:tnLst>
-  </p:timing>
-</p:sld>
-</file>
-
-<file path=ppt/slides/slide8.xml><?xml version="1.0" encoding="utf-8"?>
-<p:sld xmlns:a="http://schemas.openxmlformats.org/drawingml/2006/main" xmlns:r="http://schemas.openxmlformats.org/officeDocument/2006/relationships" xmlns:p="http://schemas.openxmlformats.org/presentationml/2006/main">
-  <p:cSld>
-    <p:spTree>
-      <p:nvGrpSpPr>
-        <p:cNvPr id="1" name=""/>
-        <p:cNvGrpSpPr/>
-        <p:nvPr/>
-      </p:nvGrpSpPr>
-      <p:grpSpPr>
-        <a:xfrm>
-          <a:off x="0" y="0"/>
-          <a:ext cx="0" cy="0"/>
-          <a:chOff x="0" y="0"/>
-          <a:chExt cx="0" cy="0"/>
-        </a:xfrm>
-      </p:grpSpPr>
-      <p:sp>
-        <p:nvSpPr>
-          <p:cNvPr id="2" name="Title 1"/>
-          <p:cNvSpPr>
-            <a:spLocks noGrp="1"/>
-          </p:cNvSpPr>
-          <p:nvPr>
-            <p:ph type="title"/>
-          </p:nvPr>
-        </p:nvSpPr>
-        <p:spPr>
-          <a:xfrm>
             <a:off x="416077" y="926840"/>
             <a:ext cx="8596668" cy="1320800"/>
           </a:xfrm>
@@ -8075,47 +7254,6 @@
           </a:p>
         </p:txBody>
       </p:sp>
-      <p:pic>
-        <p:nvPicPr>
-          <p:cNvPr id="2050" name="Picture 2" descr="پرونده:Sampad.svg"/>
-          <p:cNvPicPr>
-            <a:picLocks noChangeAspect="1" noChangeArrowheads="1"/>
-          </p:cNvPicPr>
-          <p:nvPr/>
-        </p:nvPicPr>
-        <p:blipFill>
-          <a:blip r:embed="rId2" cstate="print">
-            <a:extLst>
-              <a:ext uri="{28A0092B-C50C-407E-A947-70E740481C1C}">
-                <a14:useLocalDpi xmlns:a14="http://schemas.microsoft.com/office/drawing/2010/main" val="0"/>
-              </a:ext>
-            </a:extLst>
-          </a:blip>
-          <a:srcRect/>
-          <a:stretch>
-            <a:fillRect/>
-          </a:stretch>
-        </p:blipFill>
-        <p:spPr bwMode="auto">
-          <a:xfrm>
-            <a:off x="1013236" y="609600"/>
-            <a:ext cx="1274635" cy="1277291"/>
-          </a:xfrm>
-          <a:prstGeom prst="rect">
-            <a:avLst/>
-          </a:prstGeom>
-          <a:noFill/>
-          <a:extLst>
-            <a:ext uri="{909E8E84-426E-40DD-AFC4-6F175D3DCCD1}">
-              <a14:hiddenFill xmlns:a14="http://schemas.microsoft.com/office/drawing/2010/main">
-                <a:solidFill>
-                  <a:srgbClr val="FFFFFF"/>
-                </a:solidFill>
-              </a14:hiddenFill>
-            </a:ext>
-          </a:extLst>
-        </p:spPr>
-      </p:pic>
     </p:spTree>
     <p:extLst>
       <p:ext uri="{BB962C8B-B14F-4D97-AF65-F5344CB8AC3E}">
@@ -8129,90 +7267,14 @@
   <p:timing>
     <p:tnLst>
       <p:par>
-        <p:cTn id="1" dur="indefinite" restart="never" nodeType="tmRoot">
-          <p:childTnLst>
-            <p:seq concurrent="1" nextAc="seek">
-              <p:cTn id="2" dur="indefinite" nodeType="mainSeq">
-                <p:childTnLst>
-                  <p:par>
-                    <p:cTn id="3" fill="hold">
-                      <p:stCondLst>
-                        <p:cond delay="indefinite"/>
-                      </p:stCondLst>
-                      <p:childTnLst>
-                        <p:par>
-                          <p:cTn id="4" fill="hold">
-                            <p:stCondLst>
-                              <p:cond delay="0"/>
-                            </p:stCondLst>
-                            <p:childTnLst>
-                              <p:par>
-                                <p:cTn id="5" presetID="22" presetClass="entr" presetSubtype="4" fill="hold" nodeType="clickEffect">
-                                  <p:stCondLst>
-                                    <p:cond delay="0"/>
-                                  </p:stCondLst>
-                                  <p:childTnLst>
-                                    <p:set>
-                                      <p:cBhvr>
-                                        <p:cTn id="6" dur="1" fill="hold">
-                                          <p:stCondLst>
-                                            <p:cond delay="0"/>
-                                          </p:stCondLst>
-                                        </p:cTn>
-                                        <p:tgtEl>
-                                          <p:spTgt spid="2050"/>
-                                        </p:tgtEl>
-                                        <p:attrNameLst>
-                                          <p:attrName>style.visibility</p:attrName>
-                                        </p:attrNameLst>
-                                      </p:cBhvr>
-                                      <p:to>
-                                        <p:strVal val="visible"/>
-                                      </p:to>
-                                    </p:set>
-                                    <p:animEffect transition="in" filter="wipe(down)">
-                                      <p:cBhvr>
-                                        <p:cTn id="7" dur="500"/>
-                                        <p:tgtEl>
-                                          <p:spTgt spid="2050"/>
-                                        </p:tgtEl>
-                                      </p:cBhvr>
-                                    </p:animEffect>
-                                  </p:childTnLst>
-                                </p:cTn>
-                              </p:par>
-                            </p:childTnLst>
-                          </p:cTn>
-                        </p:par>
-                      </p:childTnLst>
-                    </p:cTn>
-                  </p:par>
-                </p:childTnLst>
-              </p:cTn>
-              <p:prevCondLst>
-                <p:cond evt="onPrev" delay="0">
-                  <p:tgtEl>
-                    <p:sldTgt/>
-                  </p:tgtEl>
-                </p:cond>
-              </p:prevCondLst>
-              <p:nextCondLst>
-                <p:cond evt="onNext" delay="0">
-                  <p:tgtEl>
-                    <p:sldTgt/>
-                  </p:tgtEl>
-                </p:cond>
-              </p:nextCondLst>
-            </p:seq>
-          </p:childTnLst>
-        </p:cTn>
+        <p:cTn id="1" dur="indefinite" restart="never" nodeType="tmRoot"/>
       </p:par>
     </p:tnLst>
   </p:timing>
 </p:sld>
 </file>
 
-<file path=ppt/slides/slide9.xml><?xml version="1.0" encoding="utf-8"?>
+<file path=ppt/slides/slide8.xml><?xml version="1.0" encoding="utf-8"?>
 <p:sld xmlns:a="http://schemas.openxmlformats.org/drawingml/2006/main" xmlns:r="http://schemas.openxmlformats.org/officeDocument/2006/relationships" xmlns:p="http://schemas.openxmlformats.org/presentationml/2006/main">
   <p:cSld>
     <p:spTree>
